--- a/NitroHackWeek.pptx
+++ b/NitroHackWeek.pptx
@@ -3764,11 +3764,7 @@
           <a:p>
             <a:r>
               <a:rPr lang="en-US" dirty="0" smtClean="0"/>
-              <a:t>July 22,</a:t>
-            </a:r>
-            <a:r>
-              <a:rPr lang="en-US" dirty="0" smtClean="0"/>
-              <a:t> 2016</a:t>
+              <a:t>July 22, 2016</a:t>
             </a:r>
             <a:endParaRPr lang="en-US" dirty="0"/>
           </a:p>
@@ -3973,7 +3969,6 @@
               <a:rPr lang="en-US" dirty="0" smtClean="0"/>
               <a:t>But S3 Operations are Heavy Operations</a:t>
             </a:r>
-            <a:endParaRPr lang="en-US" dirty="0" smtClean="0"/>
           </a:p>
           <a:p>
             <a:pPr marL="0" indent="0">
@@ -3985,22 +3980,25 @@
             </a:r>
             <a:r>
               <a:rPr lang="en-US" dirty="0" smtClean="0"/>
-              <a:t>: we can easily improve performance simply by keeping recently used objects/files </a:t>
-            </a:r>
-            <a:r>
-              <a:rPr lang="en-US" dirty="0" smtClean="0"/>
-              <a:t>Warm in a more local store (i.e. in a cache of sorts) </a:t>
-            </a:r>
-            <a:r>
-              <a:rPr lang="en-US" dirty="0" smtClean="0"/>
-              <a:t> </a:t>
+              <a:t>: we can easily improve performance simply by keeping recently used objects/files Warm in a more local store (i.e. in a cache of sorts)  </a:t>
             </a:r>
           </a:p>
           <a:p>
             <a:pPr lvl="1"/>
             <a:r>
               <a:rPr lang="en-US" dirty="0" smtClean="0"/>
-              <a:t>Files/Objects which are PUT are recently are more likely to be retrieved in the near future</a:t>
+              <a:t>Files/Objects which are PUT are recently are more likely to be retrieved in the near </a:t>
+            </a:r>
+            <a:r>
+              <a:rPr lang="en-US" dirty="0" smtClean="0"/>
+              <a:t>future</a:t>
+            </a:r>
+          </a:p>
+          <a:p>
+            <a:pPr lvl="1"/>
+            <a:r>
+              <a:rPr lang="en-US" dirty="0" smtClean="0"/>
+              <a:t>But still backed with S3</a:t>
             </a:r>
             <a:endParaRPr lang="en-US" dirty="0" smtClean="0"/>
           </a:p>
@@ -4105,7 +4103,6 @@
               <a:rPr lang="en-US" dirty="0"/>
               <a:t>2016</a:t>
             </a:r>
-            <a:endParaRPr lang="en-US" dirty="0"/>
           </a:p>
         </p:txBody>
       </p:sp>
@@ -4191,7 +4188,6 @@
               <a:rPr lang="en-US" dirty="0" smtClean="0"/>
               <a:t>Global Hash Table with Peers to avoid unnecessary calls to S3 </a:t>
             </a:r>
-            <a:endParaRPr lang="en-US" dirty="0" smtClean="0"/>
           </a:p>
         </p:txBody>
       </p:sp>
@@ -4582,7 +4578,6 @@
               <a:rPr lang="en-US" dirty="0"/>
               <a:t>2016</a:t>
             </a:r>
-            <a:endParaRPr lang="en-US" dirty="0"/>
           </a:p>
         </p:txBody>
       </p:sp>
@@ -5176,7 +5171,6 @@
               <a:rPr lang="en-US" dirty="0"/>
               <a:t>2016</a:t>
             </a:r>
-            <a:endParaRPr lang="en-US" dirty="0"/>
           </a:p>
         </p:txBody>
       </p:sp>
@@ -5772,7 +5766,6 @@
               <a:rPr lang="en-US" dirty="0"/>
               <a:t>2016</a:t>
             </a:r>
-            <a:endParaRPr lang="en-US" dirty="0"/>
           </a:p>
         </p:txBody>
       </p:sp>
@@ -6013,7 +6006,6 @@
               <a:rPr lang="en-US" dirty="0"/>
               <a:t>2016</a:t>
             </a:r>
-            <a:endParaRPr lang="en-US" dirty="0"/>
           </a:p>
         </p:txBody>
       </p:sp>
@@ -6827,7 +6819,6 @@
               <a:rPr lang="en-US" dirty="0"/>
               <a:t>2016</a:t>
             </a:r>
-            <a:endParaRPr lang="en-US" dirty="0"/>
           </a:p>
         </p:txBody>
       </p:sp>
